--- a/런! 앤 건!.pptx
+++ b/런! 앤 건!.pptx
@@ -291,6 +291,7 @@
           <a:p>
             <a:fld id="{0DC181CC-FF06-4D01-9D01-9AA6C358931E}" type="datetimeFigureOut">
               <a:rPr lang="ko-KR" altLang="en-US" smtClean="0"/>
+              <a:pPr/>
               <a:t>2018-11-04</a:t>
             </a:fld>
             <a:endParaRPr lang="ko-KR" altLang="en-US"/>
@@ -333,6 +334,7 @@
           <a:p>
             <a:fld id="{BAEBEC45-11F0-4267-B152-A5A0FFDFC9BA}" type="slidenum">
               <a:rPr lang="ko-KR" altLang="en-US" smtClean="0"/>
+              <a:pPr/>
               <a:t>‹#›</a:t>
             </a:fld>
             <a:endParaRPr lang="ko-KR" altLang="en-US"/>
@@ -456,6 +458,7 @@
           <a:p>
             <a:fld id="{0DC181CC-FF06-4D01-9D01-9AA6C358931E}" type="datetimeFigureOut">
               <a:rPr lang="ko-KR" altLang="en-US" smtClean="0"/>
+              <a:pPr/>
               <a:t>2018-11-04</a:t>
             </a:fld>
             <a:endParaRPr lang="ko-KR" altLang="en-US"/>
@@ -498,6 +501,7 @@
           <a:p>
             <a:fld id="{BAEBEC45-11F0-4267-B152-A5A0FFDFC9BA}" type="slidenum">
               <a:rPr lang="ko-KR" altLang="en-US" smtClean="0"/>
+              <a:pPr/>
               <a:t>‹#›</a:t>
             </a:fld>
             <a:endParaRPr lang="ko-KR" altLang="en-US"/>
@@ -631,6 +635,7 @@
           <a:p>
             <a:fld id="{0DC181CC-FF06-4D01-9D01-9AA6C358931E}" type="datetimeFigureOut">
               <a:rPr lang="ko-KR" altLang="en-US" smtClean="0"/>
+              <a:pPr/>
               <a:t>2018-11-04</a:t>
             </a:fld>
             <a:endParaRPr lang="ko-KR" altLang="en-US"/>
@@ -673,6 +678,7 @@
           <a:p>
             <a:fld id="{BAEBEC45-11F0-4267-B152-A5A0FFDFC9BA}" type="slidenum">
               <a:rPr lang="ko-KR" altLang="en-US" smtClean="0"/>
+              <a:pPr/>
               <a:t>‹#›</a:t>
             </a:fld>
             <a:endParaRPr lang="ko-KR" altLang="en-US"/>
@@ -796,6 +802,7 @@
           <a:p>
             <a:fld id="{0DC181CC-FF06-4D01-9D01-9AA6C358931E}" type="datetimeFigureOut">
               <a:rPr lang="ko-KR" altLang="en-US" smtClean="0"/>
+              <a:pPr/>
               <a:t>2018-11-04</a:t>
             </a:fld>
             <a:endParaRPr lang="ko-KR" altLang="en-US"/>
@@ -838,6 +845,7 @@
           <a:p>
             <a:fld id="{BAEBEC45-11F0-4267-B152-A5A0FFDFC9BA}" type="slidenum">
               <a:rPr lang="ko-KR" altLang="en-US" smtClean="0"/>
+              <a:pPr/>
               <a:t>‹#›</a:t>
             </a:fld>
             <a:endParaRPr lang="ko-KR" altLang="en-US"/>
@@ -1037,6 +1045,7 @@
           <a:p>
             <a:fld id="{0DC181CC-FF06-4D01-9D01-9AA6C358931E}" type="datetimeFigureOut">
               <a:rPr lang="ko-KR" altLang="en-US" smtClean="0"/>
+              <a:pPr/>
               <a:t>2018-11-04</a:t>
             </a:fld>
             <a:endParaRPr lang="ko-KR" altLang="en-US"/>
@@ -1079,6 +1088,7 @@
           <a:p>
             <a:fld id="{BAEBEC45-11F0-4267-B152-A5A0FFDFC9BA}" type="slidenum">
               <a:rPr lang="ko-KR" altLang="en-US" smtClean="0"/>
+              <a:pPr/>
               <a:t>‹#›</a:t>
             </a:fld>
             <a:endParaRPr lang="ko-KR" altLang="en-US"/>
@@ -1320,6 +1330,7 @@
           <a:p>
             <a:fld id="{0DC181CC-FF06-4D01-9D01-9AA6C358931E}" type="datetimeFigureOut">
               <a:rPr lang="ko-KR" altLang="en-US" smtClean="0"/>
+              <a:pPr/>
               <a:t>2018-11-04</a:t>
             </a:fld>
             <a:endParaRPr lang="ko-KR" altLang="en-US"/>
@@ -1362,6 +1373,7 @@
           <a:p>
             <a:fld id="{BAEBEC45-11F0-4267-B152-A5A0FFDFC9BA}" type="slidenum">
               <a:rPr lang="ko-KR" altLang="en-US" smtClean="0"/>
+              <a:pPr/>
               <a:t>‹#›</a:t>
             </a:fld>
             <a:endParaRPr lang="ko-KR" altLang="en-US"/>
@@ -1737,6 +1749,7 @@
           <a:p>
             <a:fld id="{0DC181CC-FF06-4D01-9D01-9AA6C358931E}" type="datetimeFigureOut">
               <a:rPr lang="ko-KR" altLang="en-US" smtClean="0"/>
+              <a:pPr/>
               <a:t>2018-11-04</a:t>
             </a:fld>
             <a:endParaRPr lang="ko-KR" altLang="en-US"/>
@@ -1779,6 +1792,7 @@
           <a:p>
             <a:fld id="{BAEBEC45-11F0-4267-B152-A5A0FFDFC9BA}" type="slidenum">
               <a:rPr lang="ko-KR" altLang="en-US" smtClean="0"/>
+              <a:pPr/>
               <a:t>‹#›</a:t>
             </a:fld>
             <a:endParaRPr lang="ko-KR" altLang="en-US"/>
@@ -1850,6 +1864,7 @@
           <a:p>
             <a:fld id="{0DC181CC-FF06-4D01-9D01-9AA6C358931E}" type="datetimeFigureOut">
               <a:rPr lang="ko-KR" altLang="en-US" smtClean="0"/>
+              <a:pPr/>
               <a:t>2018-11-04</a:t>
             </a:fld>
             <a:endParaRPr lang="ko-KR" altLang="en-US"/>
@@ -1892,6 +1907,7 @@
           <a:p>
             <a:fld id="{BAEBEC45-11F0-4267-B152-A5A0FFDFC9BA}" type="slidenum">
               <a:rPr lang="ko-KR" altLang="en-US" smtClean="0"/>
+              <a:pPr/>
               <a:t>‹#›</a:t>
             </a:fld>
             <a:endParaRPr lang="ko-KR" altLang="en-US"/>
@@ -1940,6 +1956,7 @@
           <a:p>
             <a:fld id="{0DC181CC-FF06-4D01-9D01-9AA6C358931E}" type="datetimeFigureOut">
               <a:rPr lang="ko-KR" altLang="en-US" smtClean="0"/>
+              <a:pPr/>
               <a:t>2018-11-04</a:t>
             </a:fld>
             <a:endParaRPr lang="ko-KR" altLang="en-US"/>
@@ -1982,6 +1999,7 @@
           <a:p>
             <a:fld id="{BAEBEC45-11F0-4267-B152-A5A0FFDFC9BA}" type="slidenum">
               <a:rPr lang="ko-KR" altLang="en-US" smtClean="0"/>
+              <a:pPr/>
               <a:t>‹#›</a:t>
             </a:fld>
             <a:endParaRPr lang="ko-KR" altLang="en-US"/>
@@ -2212,6 +2230,7 @@
           <a:p>
             <a:fld id="{0DC181CC-FF06-4D01-9D01-9AA6C358931E}" type="datetimeFigureOut">
               <a:rPr lang="ko-KR" altLang="en-US" smtClean="0"/>
+              <a:pPr/>
               <a:t>2018-11-04</a:t>
             </a:fld>
             <a:endParaRPr lang="ko-KR" altLang="en-US"/>
@@ -2254,6 +2273,7 @@
           <a:p>
             <a:fld id="{BAEBEC45-11F0-4267-B152-A5A0FFDFC9BA}" type="slidenum">
               <a:rPr lang="ko-KR" altLang="en-US" smtClean="0"/>
+              <a:pPr/>
               <a:t>‹#›</a:t>
             </a:fld>
             <a:endParaRPr lang="ko-KR" altLang="en-US"/>
@@ -2460,6 +2480,7 @@
           <a:p>
             <a:fld id="{0DC181CC-FF06-4D01-9D01-9AA6C358931E}" type="datetimeFigureOut">
               <a:rPr lang="ko-KR" altLang="en-US" smtClean="0"/>
+              <a:pPr/>
               <a:t>2018-11-04</a:t>
             </a:fld>
             <a:endParaRPr lang="ko-KR" altLang="en-US"/>
@@ -2502,6 +2523,7 @@
           <a:p>
             <a:fld id="{BAEBEC45-11F0-4267-B152-A5A0FFDFC9BA}" type="slidenum">
               <a:rPr lang="ko-KR" altLang="en-US" smtClean="0"/>
+              <a:pPr/>
               <a:t>‹#›</a:t>
             </a:fld>
             <a:endParaRPr lang="ko-KR" altLang="en-US"/>
@@ -2668,6 +2690,7 @@
           <a:p>
             <a:fld id="{0DC181CC-FF06-4D01-9D01-9AA6C358931E}" type="datetimeFigureOut">
               <a:rPr lang="ko-KR" altLang="en-US" smtClean="0"/>
+              <a:pPr/>
               <a:t>2018-11-04</a:t>
             </a:fld>
             <a:endParaRPr lang="ko-KR" altLang="en-US"/>
@@ -2746,6 +2769,7 @@
           <a:p>
             <a:fld id="{BAEBEC45-11F0-4267-B152-A5A0FFDFC9BA}" type="slidenum">
               <a:rPr lang="ko-KR" altLang="en-US" smtClean="0"/>
+              <a:pPr/>
               <a:t>‹#›</a:t>
             </a:fld>
             <a:endParaRPr lang="ko-KR" altLang="en-US"/>
@@ -3227,11 +3251,7 @@
                       </a:r>
                       <a:r>
                         <a:rPr lang="ko-KR" altLang="en-US" dirty="0" smtClean="0"/>
-                        <a:t> </a:t>
-                      </a:r>
-                      <a:r>
-                        <a:rPr lang="ko-KR" altLang="en-US" dirty="0" smtClean="0"/>
-                        <a:t>수집</a:t>
+                        <a:t> 수집</a:t>
                       </a:r>
                       <a:endParaRPr lang="ko-KR" altLang="en-US" dirty="0"/>
                     </a:p>
@@ -3309,11 +3329,7 @@
                       </a:r>
                       <a:r>
                         <a:rPr lang="ko-KR" altLang="en-US" dirty="0" smtClean="0"/>
-                        <a:t> </a:t>
-                      </a:r>
-                      <a:r>
-                        <a:rPr lang="ko-KR" altLang="en-US" dirty="0" smtClean="0"/>
-                        <a:t>제작</a:t>
+                        <a:t> 제작</a:t>
                       </a:r>
                       <a:endParaRPr lang="ko-KR" altLang="en-US" dirty="0"/>
                     </a:p>
@@ -3385,11 +3401,7 @@
                       </a:r>
                       <a:r>
                         <a:rPr lang="ko-KR" altLang="en-US" dirty="0" smtClean="0"/>
-                        <a:t> </a:t>
-                      </a:r>
-                      <a:r>
-                        <a:rPr lang="ko-KR" altLang="en-US" dirty="0" smtClean="0"/>
-                        <a:t>제작</a:t>
+                        <a:t> 제작</a:t>
                       </a:r>
                       <a:endParaRPr lang="ko-KR" altLang="en-US" dirty="0"/>
                     </a:p>
@@ -3457,11 +3469,7 @@
                       <a:pPr algn="ctr" latinLnBrk="1"/>
                       <a:r>
                         <a:rPr lang="ko-KR" altLang="en-US" dirty="0" smtClean="0"/>
-                        <a:t>총기 </a:t>
-                      </a:r>
-                      <a:r>
-                        <a:rPr lang="ko-KR" altLang="en-US" dirty="0" smtClean="0"/>
-                        <a:t>구현</a:t>
+                        <a:t>총기 구현</a:t>
                       </a:r>
                       <a:endParaRPr lang="ko-KR" altLang="en-US" dirty="0"/>
                     </a:p>
@@ -3583,11 +3591,7 @@
                       </a:pPr>
                       <a:r>
                         <a:rPr lang="ko-KR" altLang="en-US" dirty="0" smtClean="0"/>
-                        <a:t>적 </a:t>
-                      </a:r>
-                      <a:r>
-                        <a:rPr lang="ko-KR" altLang="en-US" dirty="0" smtClean="0"/>
-                        <a:t>제작</a:t>
+                        <a:t>적 제작</a:t>
                       </a:r>
                     </a:p>
                     <a:p>
@@ -4826,27 +4830,75 @@
           </a:p>
         </p:txBody>
       </p:sp>
+      <p:sp>
+        <p:nvSpPr>
+          <p:cNvPr id="5" name="내용 개체 틀 4"/>
+          <p:cNvSpPr>
+            <a:spLocks noGrp="1"/>
+          </p:cNvSpPr>
+          <p:nvPr>
+            <p:ph idx="1"/>
+          </p:nvPr>
+        </p:nvSpPr>
+        <p:spPr/>
+        <p:txBody>
+          <a:bodyPr/>
+          <a:lstStyle/>
+          <a:p>
+            <a:endParaRPr lang="ko-KR" altLang="en-US" dirty="0"/>
+          </a:p>
+        </p:txBody>
+      </p:sp>
       <p:pic>
         <p:nvPicPr>
-          <p:cNvPr id="4" name="내용 개체 틀 3" descr="캡처.PNG"/>
+          <p:cNvPr id="1026" name="Picture 2" descr="C:\Users\형준\Desktop\캡처.PNG"/>
           <p:cNvPicPr>
-            <a:picLocks noGrp="1" noChangeAspect="1"/>
+            <a:picLocks noChangeAspect="1" noChangeArrowheads="1"/>
           </p:cNvPicPr>
-          <p:nvPr>
-            <p:ph idx="1"/>
-          </p:nvPr>
+          <p:nvPr/>
         </p:nvPicPr>
         <p:blipFill>
           <a:blip r:embed="rId2"/>
+          <a:srcRect/>
           <a:stretch>
             <a:fillRect/>
           </a:stretch>
         </p:blipFill>
-        <p:spPr>
+        <p:spPr bwMode="auto">
           <a:xfrm>
-            <a:off x="0" y="71414"/>
-            <a:ext cx="9144000" cy="6805118"/>
+            <a:off x="0" y="3357562"/>
+            <a:ext cx="9144000" cy="3500438"/>
           </a:xfrm>
+          <a:prstGeom prst="rect">
+            <a:avLst/>
+          </a:prstGeom>
+          <a:noFill/>
+        </p:spPr>
+      </p:pic>
+      <p:pic>
+        <p:nvPicPr>
+          <p:cNvPr id="1027" name="Picture 3" descr="C:\Users\형준\Desktop\캡처2.PNG"/>
+          <p:cNvPicPr>
+            <a:picLocks noChangeAspect="1" noChangeArrowheads="1"/>
+          </p:cNvPicPr>
+          <p:nvPr/>
+        </p:nvPicPr>
+        <p:blipFill>
+          <a:blip r:embed="rId3"/>
+          <a:srcRect/>
+          <a:stretch>
+            <a:fillRect/>
+          </a:stretch>
+        </p:blipFill>
+        <p:spPr bwMode="auto">
+          <a:xfrm>
+            <a:off x="-1" y="0"/>
+            <a:ext cx="9144001" cy="3429000"/>
+          </a:xfrm>
+          <a:prstGeom prst="rect">
+            <a:avLst/>
+          </a:prstGeom>
+          <a:noFill/>
         </p:spPr>
       </p:pic>
     </p:spTree>
